--- a/N Rainhas.pptx
+++ b/N Rainhas.pptx
@@ -5,10 +5,10 @@
     <p:sldMasterId id="2147483648" r:id="rId2"/>
   </p:sldMasterIdLst>
   <p:notesMasterIdLst>
-    <p:notesMasterId r:id="rId17"/>
+    <p:notesMasterId r:id="rId11"/>
   </p:notesMasterIdLst>
   <p:handoutMasterIdLst>
-    <p:handoutMasterId r:id="rId18"/>
+    <p:handoutMasterId r:id="rId12"/>
   </p:handoutMasterIdLst>
   <p:sldIdLst>
     <p:sldId id="256" r:id="rId3"/>
@@ -19,12 +19,6 @@
     <p:sldId id="268" r:id="rId8"/>
     <p:sldId id="269" r:id="rId9"/>
     <p:sldId id="271" r:id="rId10"/>
-    <p:sldId id="258" r:id="rId11"/>
-    <p:sldId id="260" r:id="rId12"/>
-    <p:sldId id="261" r:id="rId13"/>
-    <p:sldId id="262" r:id="rId14"/>
-    <p:sldId id="272" r:id="rId15"/>
-    <p:sldId id="264" r:id="rId16"/>
   </p:sldIdLst>
   <p:sldSz cx="12188825" cy="6858000"/>
   <p:notesSz cx="6858000" cy="9144000"/>
@@ -162,7 +156,7 @@
 </file>
 
 <file path=ppt/charts/chart1.xml><?xml version="1.0" encoding="utf-8"?>
-<c:chartSpace xmlns:c="http://schemas.openxmlformats.org/drawingml/2006/chart" xmlns:a="http://schemas.openxmlformats.org/drawingml/2006/main" xmlns:r="http://schemas.openxmlformats.org/officeDocument/2006/relationships" xmlns:c16r2="http://schemas.microsoft.com/office/drawing/2015/06/chart">
+<c:chartSpace xmlns:c="http://schemas.openxmlformats.org/drawingml/2006/chart" xmlns:a="http://schemas.openxmlformats.org/drawingml/2006/main" xmlns:r="http://schemas.openxmlformats.org/officeDocument/2006/relationships">
   <c:date1904 val="0"/>
   <c:lang val="en-US"/>
   <c:roundedCorners val="0"/>
@@ -249,7 +243,7 @@
               </c:numCache>
             </c:numRef>
           </c:val>
-          <c:extLst>
+          <c:extLst xmlns:c16r2="http://schemas.microsoft.com/office/drawing/2015/06/chart">
             <c:ext xmlns:c16="http://schemas.microsoft.com/office/drawing/2014/chart" uri="{C3380CC4-5D6E-409C-BE32-E72D297353CC}">
               <c16:uniqueId val="{00000000-8F6E-45AA-9B26-D55C64283F54}"/>
             </c:ext>
@@ -322,7 +316,7 @@
               </c:numCache>
             </c:numRef>
           </c:val>
-          <c:extLst>
+          <c:extLst xmlns:c16r2="http://schemas.microsoft.com/office/drawing/2015/06/chart">
             <c:ext xmlns:c16="http://schemas.microsoft.com/office/drawing/2014/chart" uri="{C3380CC4-5D6E-409C-BE32-E72D297353CC}">
               <c16:uniqueId val="{00000001-8F6E-45AA-9B26-D55C64283F54}"/>
             </c:ext>
@@ -395,7 +389,7 @@
               </c:numCache>
             </c:numRef>
           </c:val>
-          <c:extLst>
+          <c:extLst xmlns:c16r2="http://schemas.microsoft.com/office/drawing/2015/06/chart">
             <c:ext xmlns:c16="http://schemas.microsoft.com/office/drawing/2014/chart" uri="{C3380CC4-5D6E-409C-BE32-E72D297353CC}">
               <c16:uniqueId val="{00000002-8F6E-45AA-9B26-D55C64283F54}"/>
             </c:ext>
@@ -411,11 +405,11 @@
         </c:dLbls>
         <c:gapWidth val="50"/>
         <c:overlap val="100"/>
-        <c:axId val="611351296"/>
-        <c:axId val="601055720"/>
+        <c:axId val="1178304208"/>
+        <c:axId val="1178304752"/>
       </c:barChart>
       <c:catAx>
-        <c:axId val="611351296"/>
+        <c:axId val="1178304208"/>
         <c:scaling>
           <c:orientation val="minMax"/>
         </c:scaling>
@@ -457,10 +451,10 @@
                 <a:cs typeface="+mn-cs"/>
               </a:defRPr>
             </a:pPr>
-            <a:endParaRPr lang="pt-BR"/>
+            <a:endParaRPr lang="en-US"/>
           </a:p>
         </c:txPr>
-        <c:crossAx val="601055720"/>
+        <c:crossAx val="1178304752"/>
         <c:crosses val="autoZero"/>
         <c:auto val="1"/>
         <c:lblAlgn val="ctr"/>
@@ -468,7 +462,7 @@
         <c:noMultiLvlLbl val="0"/>
       </c:catAx>
       <c:valAx>
-        <c:axId val="601055720"/>
+        <c:axId val="1178304752"/>
         <c:scaling>
           <c:orientation val="minMax"/>
         </c:scaling>
@@ -527,10 +521,10 @@
                 <a:cs typeface="+mn-cs"/>
               </a:defRPr>
             </a:pPr>
-            <a:endParaRPr lang="pt-BR"/>
+            <a:endParaRPr lang="en-US"/>
           </a:p>
         </c:txPr>
-        <c:crossAx val="611351296"/>
+        <c:crossAx val="1178304208"/>
         <c:crosses val="autoZero"/>
         <c:crossBetween val="between"/>
       </c:valAx>
@@ -544,6 +538,7 @@
     </c:plotArea>
     <c:legend>
       <c:legendPos val="b"/>
+      <c:layout/>
       <c:overlay val="0"/>
       <c:spPr>
         <a:noFill/>
@@ -569,7 +564,7 @@
               <a:cs typeface="+mn-cs"/>
             </a:defRPr>
           </a:pPr>
-          <a:endParaRPr lang="pt-BR"/>
+          <a:endParaRPr lang="en-US"/>
         </a:p>
       </c:txPr>
     </c:legend>
@@ -591,7 +586,7 @@
       <a:pPr>
         <a:defRPr/>
       </a:pPr>
-      <a:endParaRPr lang="pt-BR"/>
+      <a:endParaRPr lang="en-US"/>
     </a:p>
   </c:txPr>
   <c:externalData r:id="rId3">
@@ -2374,6 +2369,13 @@
         </dgm:presLayoutVars>
       </dgm:prSet>
       <dgm:spPr/>
+      <dgm:t>
+        <a:bodyPr/>
+        <a:lstStyle/>
+        <a:p>
+          <a:endParaRPr lang="en-US"/>
+        </a:p>
+      </dgm:t>
     </dgm:pt>
     <dgm:pt modelId="{63DDCCD6-3F31-4095-8E42-5BBFC31B83BE}" type="pres">
       <dgm:prSet presAssocID="{758CBA3A-9936-4C67-965C-A8DD3074879B}" presName="composite" presStyleCnt="0"/>
@@ -2387,6 +2389,13 @@
         </dgm:presLayoutVars>
       </dgm:prSet>
       <dgm:spPr/>
+      <dgm:t>
+        <a:bodyPr/>
+        <a:lstStyle/>
+        <a:p>
+          <a:endParaRPr lang="en-US"/>
+        </a:p>
+      </dgm:t>
     </dgm:pt>
     <dgm:pt modelId="{0E09DE89-66C0-478D-8170-8F0BC920F1EB}" type="pres">
       <dgm:prSet presAssocID="{758CBA3A-9936-4C67-965C-A8DD3074879B}" presName="descendantText" presStyleLbl="alignAcc1" presStyleIdx="0" presStyleCnt="3">
@@ -2395,6 +2404,13 @@
         </dgm:presLayoutVars>
       </dgm:prSet>
       <dgm:spPr/>
+      <dgm:t>
+        <a:bodyPr/>
+        <a:lstStyle/>
+        <a:p>
+          <a:endParaRPr lang="en-US"/>
+        </a:p>
+      </dgm:t>
     </dgm:pt>
     <dgm:pt modelId="{52E78D13-8FB5-4AEC-B5C0-881B683FCF22}" type="pres">
       <dgm:prSet presAssocID="{290E9CBE-1634-47AD-B973-508944073D35}" presName="sp" presStyleCnt="0"/>
@@ -2412,6 +2428,13 @@
         </dgm:presLayoutVars>
       </dgm:prSet>
       <dgm:spPr/>
+      <dgm:t>
+        <a:bodyPr/>
+        <a:lstStyle/>
+        <a:p>
+          <a:endParaRPr lang="en-US"/>
+        </a:p>
+      </dgm:t>
     </dgm:pt>
     <dgm:pt modelId="{C96267EA-EF01-411B-8D37-95F44BBB68D3}" type="pres">
       <dgm:prSet presAssocID="{15031D9C-993C-4715-A26F-56D8831933EB}" presName="descendantText" presStyleLbl="alignAcc1" presStyleIdx="1" presStyleCnt="3">
@@ -2420,6 +2443,13 @@
         </dgm:presLayoutVars>
       </dgm:prSet>
       <dgm:spPr/>
+      <dgm:t>
+        <a:bodyPr/>
+        <a:lstStyle/>
+        <a:p>
+          <a:endParaRPr lang="en-US"/>
+        </a:p>
+      </dgm:t>
     </dgm:pt>
     <dgm:pt modelId="{4CCED8E1-297A-4834-9FC1-39D8E59A67B1}" type="pres">
       <dgm:prSet presAssocID="{FB1D36D5-798A-40AA-91C3-3F3E5AF1A86F}" presName="sp" presStyleCnt="0"/>
@@ -2437,6 +2467,13 @@
         </dgm:presLayoutVars>
       </dgm:prSet>
       <dgm:spPr/>
+      <dgm:t>
+        <a:bodyPr/>
+        <a:lstStyle/>
+        <a:p>
+          <a:endParaRPr lang="en-US"/>
+        </a:p>
+      </dgm:t>
     </dgm:pt>
     <dgm:pt modelId="{68EF0610-07B4-40C7-AD99-F2285099C2E4}" type="pres">
       <dgm:prSet presAssocID="{2936D842-720E-4365-AD39-F6EAEC441633}" presName="descendantText" presStyleLbl="alignAcc1" presStyleIdx="2" presStyleCnt="3">
@@ -2445,6 +2482,13 @@
         </dgm:presLayoutVars>
       </dgm:prSet>
       <dgm:spPr/>
+      <dgm:t>
+        <a:bodyPr/>
+        <a:lstStyle/>
+        <a:p>
+          <a:endParaRPr lang="en-US"/>
+        </a:p>
+      </dgm:t>
     </dgm:pt>
   </dgm:ptLst>
   <dgm:cxnLst>
@@ -2547,12 +2591,12 @@
         </a:fontRef>
       </dsp:style>
       <dsp:txBody>
-        <a:bodyPr spcFirstLastPara="0" vert="horz" wrap="square" lIns="21590" tIns="21590" rIns="21590" bIns="21590" numCol="1" spcCol="1270" anchor="ctr" anchorCtr="0">
+        <a:bodyPr spcFirstLastPara="0" vert="horz" wrap="square" lIns="18415" tIns="18415" rIns="18415" bIns="18415" numCol="1" spcCol="1270" anchor="ctr" anchorCtr="0">
           <a:noAutofit/>
         </a:bodyPr>
         <a:lstStyle/>
         <a:p>
-          <a:pPr marL="0" lvl="0" indent="0" algn="ctr" defTabSz="1511300">
+          <a:pPr lvl="0" algn="ctr" defTabSz="1289050">
             <a:lnSpc>
               <a:spcPct val="90000"/>
             </a:lnSpc>
@@ -2562,10 +2606,9 @@
             <a:spcAft>
               <a:spcPct val="35000"/>
             </a:spcAft>
-            <a:buNone/>
           </a:pPr>
           <a:r>
-            <a:rPr lang="en-US" sz="3400" kern="1200" dirty="0"/>
+            <a:rPr lang="en-US" sz="2900" kern="1200" dirty="0"/>
             <a:t>A</a:t>
           </a:r>
         </a:p>
@@ -2625,12 +2668,12 @@
         <a:fontRef idx="minor"/>
       </dsp:style>
       <dsp:txBody>
-        <a:bodyPr spcFirstLastPara="0" vert="horz" wrap="square" lIns="227584" tIns="20320" rIns="20320" bIns="20320" numCol="1" spcCol="1270" anchor="ctr" anchorCtr="0">
+        <a:bodyPr spcFirstLastPara="0" vert="horz" wrap="square" lIns="192024" tIns="17145" rIns="17145" bIns="17145" numCol="1" spcCol="1270" anchor="ctr" anchorCtr="0">
           <a:noAutofit/>
         </a:bodyPr>
         <a:lstStyle/>
         <a:p>
-          <a:pPr marL="285750" lvl="1" indent="-285750" algn="l" defTabSz="1422400">
+          <a:pPr marL="228600" lvl="1" indent="-228600" algn="l" defTabSz="1200150">
             <a:lnSpc>
               <a:spcPct val="90000"/>
             </a:lnSpc>
@@ -2640,15 +2683,15 @@
             <a:spcAft>
               <a:spcPct val="15000"/>
             </a:spcAft>
-            <a:buChar char="•"/>
+            <a:buChar char="••"/>
           </a:pPr>
           <a:r>
-            <a:rPr lang="en-US" sz="3200" kern="1200" dirty="0"/>
+            <a:rPr lang="en-US" sz="2700" kern="1200" dirty="0"/>
             <a:t>Task 1</a:t>
           </a:r>
         </a:p>
         <a:p>
-          <a:pPr marL="285750" lvl="1" indent="-285750" algn="l" defTabSz="1422400">
+          <a:pPr marL="228600" lvl="1" indent="-228600" algn="l" defTabSz="1200150">
             <a:lnSpc>
               <a:spcPct val="90000"/>
             </a:lnSpc>
@@ -2658,10 +2701,10 @@
             <a:spcAft>
               <a:spcPct val="15000"/>
             </a:spcAft>
-            <a:buChar char="•"/>
+            <a:buChar char="••"/>
           </a:pPr>
           <a:r>
-            <a:rPr lang="en-US" sz="3200" kern="1200" dirty="0"/>
+            <a:rPr lang="en-US" sz="2700" kern="1200" dirty="0"/>
             <a:t>Task 2</a:t>
           </a:r>
         </a:p>
@@ -2723,12 +2766,12 @@
         </a:fontRef>
       </dsp:style>
       <dsp:txBody>
-        <a:bodyPr spcFirstLastPara="0" vert="horz" wrap="square" lIns="21590" tIns="21590" rIns="21590" bIns="21590" numCol="1" spcCol="1270" anchor="ctr" anchorCtr="0">
+        <a:bodyPr spcFirstLastPara="0" vert="horz" wrap="square" lIns="18415" tIns="18415" rIns="18415" bIns="18415" numCol="1" spcCol="1270" anchor="ctr" anchorCtr="0">
           <a:noAutofit/>
         </a:bodyPr>
         <a:lstStyle/>
         <a:p>
-          <a:pPr marL="0" lvl="0" indent="0" algn="ctr" defTabSz="1511300">
+          <a:pPr lvl="0" algn="ctr" defTabSz="1289050">
             <a:lnSpc>
               <a:spcPct val="90000"/>
             </a:lnSpc>
@@ -2738,10 +2781,9 @@
             <a:spcAft>
               <a:spcPct val="35000"/>
             </a:spcAft>
-            <a:buNone/>
           </a:pPr>
           <a:r>
-            <a:rPr lang="en-US" sz="3400" kern="1200" dirty="0"/>
+            <a:rPr lang="en-US" sz="2900" kern="1200" dirty="0"/>
             <a:t>B</a:t>
           </a:r>
         </a:p>
@@ -2801,12 +2843,12 @@
         <a:fontRef idx="minor"/>
       </dsp:style>
       <dsp:txBody>
-        <a:bodyPr spcFirstLastPara="0" vert="horz" wrap="square" lIns="227584" tIns="20320" rIns="20320" bIns="20320" numCol="1" spcCol="1270" anchor="ctr" anchorCtr="0">
+        <a:bodyPr spcFirstLastPara="0" vert="horz" wrap="square" lIns="192024" tIns="17145" rIns="17145" bIns="17145" numCol="1" spcCol="1270" anchor="ctr" anchorCtr="0">
           <a:noAutofit/>
         </a:bodyPr>
         <a:lstStyle/>
         <a:p>
-          <a:pPr marL="285750" lvl="1" indent="-285750" algn="l" defTabSz="1422400">
+          <a:pPr marL="228600" lvl="1" indent="-228600" algn="l" defTabSz="1200150">
             <a:lnSpc>
               <a:spcPct val="90000"/>
             </a:lnSpc>
@@ -2816,15 +2858,15 @@
             <a:spcAft>
               <a:spcPct val="15000"/>
             </a:spcAft>
-            <a:buChar char="•"/>
+            <a:buChar char="••"/>
           </a:pPr>
           <a:r>
-            <a:rPr lang="en-US" sz="3200" kern="1200" dirty="0"/>
+            <a:rPr lang="en-US" sz="2700" kern="1200" dirty="0"/>
             <a:t>Task 1</a:t>
           </a:r>
         </a:p>
         <a:p>
-          <a:pPr marL="285750" lvl="1" indent="-285750" algn="l" defTabSz="1422400">
+          <a:pPr marL="228600" lvl="1" indent="-228600" algn="l" defTabSz="1200150">
             <a:lnSpc>
               <a:spcPct val="90000"/>
             </a:lnSpc>
@@ -2834,10 +2876,10 @@
             <a:spcAft>
               <a:spcPct val="15000"/>
             </a:spcAft>
-            <a:buChar char="•"/>
+            <a:buChar char="••"/>
           </a:pPr>
           <a:r>
-            <a:rPr lang="en-US" sz="3200" kern="1200" dirty="0"/>
+            <a:rPr lang="en-US" sz="2700" kern="1200" dirty="0"/>
             <a:t>Task 2</a:t>
           </a:r>
         </a:p>
@@ -2899,12 +2941,12 @@
         </a:fontRef>
       </dsp:style>
       <dsp:txBody>
-        <a:bodyPr spcFirstLastPara="0" vert="horz" wrap="square" lIns="21590" tIns="21590" rIns="21590" bIns="21590" numCol="1" spcCol="1270" anchor="ctr" anchorCtr="0">
+        <a:bodyPr spcFirstLastPara="0" vert="horz" wrap="square" lIns="18415" tIns="18415" rIns="18415" bIns="18415" numCol="1" spcCol="1270" anchor="ctr" anchorCtr="0">
           <a:noAutofit/>
         </a:bodyPr>
         <a:lstStyle/>
         <a:p>
-          <a:pPr marL="0" lvl="0" indent="0" algn="ctr" defTabSz="1511300">
+          <a:pPr lvl="0" algn="ctr" defTabSz="1289050">
             <a:lnSpc>
               <a:spcPct val="90000"/>
             </a:lnSpc>
@@ -2914,10 +2956,9 @@
             <a:spcAft>
               <a:spcPct val="35000"/>
             </a:spcAft>
-            <a:buNone/>
           </a:pPr>
           <a:r>
-            <a:rPr lang="en-US" sz="3400" kern="1200" dirty="0"/>
+            <a:rPr lang="en-US" sz="2900" kern="1200" dirty="0"/>
             <a:t>C</a:t>
           </a:r>
         </a:p>
@@ -2977,12 +3018,12 @@
         <a:fontRef idx="minor"/>
       </dsp:style>
       <dsp:txBody>
-        <a:bodyPr spcFirstLastPara="0" vert="horz" wrap="square" lIns="227584" tIns="20320" rIns="20320" bIns="20320" numCol="1" spcCol="1270" anchor="ctr" anchorCtr="0">
+        <a:bodyPr spcFirstLastPara="0" vert="horz" wrap="square" lIns="192024" tIns="17145" rIns="17145" bIns="17145" numCol="1" spcCol="1270" anchor="ctr" anchorCtr="0">
           <a:noAutofit/>
         </a:bodyPr>
         <a:lstStyle/>
         <a:p>
-          <a:pPr marL="285750" lvl="1" indent="-285750" algn="l" defTabSz="1422400">
+          <a:pPr marL="228600" lvl="1" indent="-228600" algn="l" defTabSz="1200150">
             <a:lnSpc>
               <a:spcPct val="90000"/>
             </a:lnSpc>
@@ -2992,10 +3033,10 @@
             <a:spcAft>
               <a:spcPct val="15000"/>
             </a:spcAft>
-            <a:buChar char="•"/>
+            <a:buChar char="••"/>
           </a:pPr>
           <a:r>
-            <a:rPr lang="en-US" sz="3200" kern="1200" dirty="0"/>
+            <a:rPr lang="en-US" sz="2700" kern="1200" dirty="0"/>
             <a:t>Task 1</a:t>
           </a:r>
         </a:p>
@@ -4381,7 +4422,7 @@
           <a:p>
             <a:fld id="{BDB7646E-8811-423A-9C42-2CBFADA00A96}" type="datetimeFigureOut">
               <a:rPr lang="en-US" smtClean="0"/>
-              <a:t>9/25/2016</a:t>
+              <a:t>9/26/2016</a:t>
             </a:fld>
             <a:endParaRPr lang="en-US"/>
           </a:p>
@@ -4555,7 +4596,7 @@
             <a:fld id="{D677E230-58DD-43ED-96A1-552DDAB53532}" type="datetimeFigureOut">
               <a:rPr lang="en-US" smtClean="0"/>
               <a:pPr/>
-              <a:t>9/25/2016</a:t>
+              <a:t>9/26/2016</a:t>
             </a:fld>
             <a:endParaRPr lang="en-US"/>
           </a:p>
@@ -5748,7 +5789,7 @@
             <a:fld id="{C2C6F8EA-316C-41DE-B9A4-EDCC3A85ED9A}" type="datetimeFigureOut">
               <a:rPr lang="en-US"/>
               <a:pPr/>
-              <a:t>9/25/2016</a:t>
+              <a:t>9/26/2016</a:t>
             </a:fld>
             <a:endParaRPr/>
           </a:p>
@@ -5963,7 +6004,7 @@
           <a:p>
             <a:fld id="{C2C6F8EA-316C-41DE-B9A4-EDCC3A85ED9A}" type="datetimeFigureOut">
               <a:rPr lang="en-US"/>
-              <a:t>9/25/2016</a:t>
+              <a:t>9/26/2016</a:t>
             </a:fld>
             <a:endParaRPr/>
           </a:p>
@@ -6778,7 +6819,7 @@
           <a:p>
             <a:fld id="{C2C6F8EA-316C-41DE-B9A4-EDCC3A85ED9A}" type="datetimeFigureOut">
               <a:rPr lang="en-US"/>
-              <a:t>9/25/2016</a:t>
+              <a:t>9/26/2016</a:t>
             </a:fld>
             <a:endParaRPr/>
           </a:p>
@@ -6976,7 +7017,7 @@
           <a:p>
             <a:fld id="{C2C6F8EA-316C-41DE-B9A4-EDCC3A85ED9A}" type="datetimeFigureOut">
               <a:rPr lang="en-US"/>
-              <a:t>9/25/2016</a:t>
+              <a:t>9/26/2016</a:t>
             </a:fld>
             <a:endParaRPr/>
           </a:p>
@@ -8083,7 +8124,7 @@
             <a:fld id="{C2C6F8EA-316C-41DE-B9A4-EDCC3A85ED9A}" type="datetimeFigureOut">
               <a:rPr lang="en-US"/>
               <a:pPr/>
-              <a:t>9/25/2016</a:t>
+              <a:t>9/26/2016</a:t>
             </a:fld>
             <a:endParaRPr/>
           </a:p>
@@ -8556,7 +8597,7 @@
           <a:p>
             <a:fld id="{C2C6F8EA-316C-41DE-B9A4-EDCC3A85ED9A}" type="datetimeFigureOut">
               <a:rPr lang="en-US"/>
-              <a:t>9/25/2016</a:t>
+              <a:t>9/26/2016</a:t>
             </a:fld>
             <a:endParaRPr/>
           </a:p>
@@ -9004,7 +9045,7 @@
           <a:p>
             <a:fld id="{C2C6F8EA-316C-41DE-B9A4-EDCC3A85ED9A}" type="datetimeFigureOut">
               <a:rPr lang="en-US"/>
-              <a:t>9/25/2016</a:t>
+              <a:t>9/26/2016</a:t>
             </a:fld>
             <a:endParaRPr/>
           </a:p>
@@ -9134,7 +9175,7 @@
           <a:p>
             <a:fld id="{C2C6F8EA-316C-41DE-B9A4-EDCC3A85ED9A}" type="datetimeFigureOut">
               <a:rPr lang="en-US"/>
-              <a:t>9/25/2016</a:t>
+              <a:t>9/26/2016</a:t>
             </a:fld>
             <a:endParaRPr/>
           </a:p>
@@ -9469,7 +9510,7 @@
           <a:p>
             <a:fld id="{C2C6F8EA-316C-41DE-B9A4-EDCC3A85ED9A}" type="datetimeFigureOut">
               <a:rPr lang="en-US"/>
-              <a:t>9/25/2016</a:t>
+              <a:t>9/26/2016</a:t>
             </a:fld>
             <a:endParaRPr/>
           </a:p>
@@ -9961,7 +10002,7 @@
           <a:p>
             <a:fld id="{C2C6F8EA-316C-41DE-B9A4-EDCC3A85ED9A}" type="datetimeFigureOut">
               <a:rPr lang="en-US"/>
-              <a:t>9/25/2016</a:t>
+              <a:t>9/26/2016</a:t>
             </a:fld>
             <a:endParaRPr/>
           </a:p>
@@ -10397,7 +10438,7 @@
           <a:p>
             <a:fld id="{C2C6F8EA-316C-41DE-B9A4-EDCC3A85ED9A}" type="datetimeFigureOut">
               <a:rPr lang="en-US"/>
-              <a:t>9/25/2016</a:t>
+              <a:t>9/26/2016</a:t>
             </a:fld>
             <a:endParaRPr/>
           </a:p>
@@ -11282,7 +11323,7 @@
             <a:fld id="{C2C6F8EA-316C-41DE-B9A4-EDCC3A85ED9A}" type="datetimeFigureOut">
               <a:rPr lang="en-US"/>
               <a:pPr/>
-              <a:t>9/25/2016</a:t>
+              <a:t>9/26/2016</a:t>
             </a:fld>
             <a:endParaRPr/>
           </a:p>
@@ -11808,466 +11849,6 @@
 </p:sld>
 </file>
 
-<file path=ppt/slides/slide10.xml><?xml version="1.0" encoding="utf-8"?>
-<p:sld xmlns:a="http://schemas.openxmlformats.org/drawingml/2006/main" xmlns:r="http://schemas.openxmlformats.org/officeDocument/2006/relationships" xmlns:p="http://schemas.openxmlformats.org/presentationml/2006/main">
-  <p:cSld>
-    <p:spTree>
-      <p:nvGrpSpPr>
-        <p:cNvPr id="1" name=""/>
-        <p:cNvGrpSpPr/>
-        <p:nvPr/>
-      </p:nvGrpSpPr>
-      <p:grpSpPr>
-        <a:xfrm>
-          <a:off x="0" y="0"/>
-          <a:ext cx="0" cy="0"/>
-          <a:chOff x="0" y="0"/>
-          <a:chExt cx="0" cy="0"/>
-        </a:xfrm>
-      </p:grpSpPr>
-      <p:sp>
-        <p:nvSpPr>
-          <p:cNvPr id="2" name="Title 1"/>
-          <p:cNvSpPr>
-            <a:spLocks noGrp="1"/>
-          </p:cNvSpPr>
-          <p:nvPr>
-            <p:ph type="title"/>
-          </p:nvPr>
-        </p:nvSpPr>
-        <p:spPr/>
-        <p:txBody>
-          <a:bodyPr/>
-          <a:lstStyle/>
-          <a:p>
-            <a:endParaRPr lang="en-US" dirty="0"/>
-          </a:p>
-        </p:txBody>
-      </p:sp>
-      <p:sp>
-        <p:nvSpPr>
-          <p:cNvPr id="5" name="Text Placeholder 4"/>
-          <p:cNvSpPr>
-            <a:spLocks noGrp="1"/>
-          </p:cNvSpPr>
-          <p:nvPr>
-            <p:ph type="body" idx="1"/>
-          </p:nvPr>
-        </p:nvSpPr>
-        <p:spPr/>
-        <p:txBody>
-          <a:bodyPr/>
-          <a:lstStyle/>
-          <a:p>
-            <a:endParaRPr lang="en-US" dirty="0"/>
-          </a:p>
-        </p:txBody>
-      </p:sp>
-      <p:sp>
-        <p:nvSpPr>
-          <p:cNvPr id="3" name="Content Placeholder 2"/>
-          <p:cNvSpPr>
-            <a:spLocks noGrp="1"/>
-          </p:cNvSpPr>
-          <p:nvPr>
-            <p:ph sz="half" idx="2"/>
-          </p:nvPr>
-        </p:nvSpPr>
-        <p:spPr/>
-        <p:txBody>
-          <a:bodyPr/>
-          <a:lstStyle/>
-          <a:p>
-            <a:endParaRPr lang="en-US" dirty="0"/>
-          </a:p>
-        </p:txBody>
-      </p:sp>
-      <p:sp>
-        <p:nvSpPr>
-          <p:cNvPr id="6" name="Text Placeholder 5"/>
-          <p:cNvSpPr>
-            <a:spLocks noGrp="1"/>
-          </p:cNvSpPr>
-          <p:nvPr>
-            <p:ph type="body" sz="quarter" idx="3"/>
-          </p:nvPr>
-        </p:nvSpPr>
-        <p:spPr/>
-        <p:txBody>
-          <a:bodyPr/>
-          <a:lstStyle/>
-          <a:p>
-            <a:endParaRPr lang="en-US" dirty="0"/>
-          </a:p>
-        </p:txBody>
-      </p:sp>
-      <p:sp>
-        <p:nvSpPr>
-          <p:cNvPr id="4" name="Content Placeholder 3"/>
-          <p:cNvSpPr>
-            <a:spLocks noGrp="1"/>
-          </p:cNvSpPr>
-          <p:nvPr>
-            <p:ph sz="quarter" idx="4"/>
-          </p:nvPr>
-        </p:nvSpPr>
-        <p:spPr/>
-        <p:txBody>
-          <a:bodyPr/>
-          <a:lstStyle/>
-          <a:p>
-            <a:endParaRPr lang="en-US" dirty="0"/>
-          </a:p>
-        </p:txBody>
-      </p:sp>
-    </p:spTree>
-    <p:extLst>
-      <p:ext uri="{BB962C8B-B14F-4D97-AF65-F5344CB8AC3E}">
-        <p14:creationId xmlns:p14="http://schemas.microsoft.com/office/powerpoint/2010/main" val="1061194279"/>
-      </p:ext>
-    </p:extLst>
-  </p:cSld>
-  <p:clrMapOvr>
-    <a:masterClrMapping/>
-  </p:clrMapOvr>
-  <mc:AlternateContent xmlns:mc="http://schemas.openxmlformats.org/markup-compatibility/2006" xmlns:p14="http://schemas.microsoft.com/office/powerpoint/2010/main">
-    <mc:Choice Requires="p14">
-      <p:transition spd="med" p14:dur="700">
-        <p:fade/>
-      </p:transition>
-    </mc:Choice>
-    <mc:Fallback xmlns="">
-      <p:transition spd="med">
-        <p:fade/>
-      </p:transition>
-    </mc:Fallback>
-  </mc:AlternateContent>
-</p:sld>
-</file>
-
-<file path=ppt/slides/slide11.xml><?xml version="1.0" encoding="utf-8"?>
-<p:sld xmlns:a="http://schemas.openxmlformats.org/drawingml/2006/main" xmlns:r="http://schemas.openxmlformats.org/officeDocument/2006/relationships" xmlns:p="http://schemas.openxmlformats.org/presentationml/2006/main">
-  <p:cSld>
-    <p:spTree>
-      <p:nvGrpSpPr>
-        <p:cNvPr id="1" name=""/>
-        <p:cNvGrpSpPr/>
-        <p:nvPr/>
-      </p:nvGrpSpPr>
-      <p:grpSpPr>
-        <a:xfrm>
-          <a:off x="0" y="0"/>
-          <a:ext cx="0" cy="0"/>
-          <a:chOff x="0" y="0"/>
-          <a:chExt cx="0" cy="0"/>
-        </a:xfrm>
-      </p:grpSpPr>
-      <p:sp>
-        <p:nvSpPr>
-          <p:cNvPr id="2" name="Title 1"/>
-          <p:cNvSpPr>
-            <a:spLocks noGrp="1"/>
-          </p:cNvSpPr>
-          <p:nvPr>
-            <p:ph type="title"/>
-          </p:nvPr>
-        </p:nvSpPr>
-        <p:spPr/>
-        <p:txBody>
-          <a:bodyPr/>
-          <a:lstStyle/>
-          <a:p>
-            <a:endParaRPr lang="en-US" dirty="0"/>
-          </a:p>
-        </p:txBody>
-      </p:sp>
-      <p:sp>
-        <p:nvSpPr>
-          <p:cNvPr id="3" name="TextBox 2"/>
-          <p:cNvSpPr txBox="1"/>
-          <p:nvPr/>
-        </p:nvSpPr>
-        <p:spPr>
-          <a:xfrm>
-            <a:off x="1593436" y="1700808"/>
-            <a:ext cx="9782801" cy="369332"/>
-          </a:xfrm>
-          <a:prstGeom prst="rect">
-            <a:avLst/>
-          </a:prstGeom>
-          <a:noFill/>
-        </p:spPr>
-        <p:txBody>
-          <a:bodyPr wrap="square" rtlCol="0">
-            <a:spAutoFit/>
-          </a:bodyPr>
-          <a:lstStyle/>
-          <a:p>
-            <a:r>
-              <a:rPr lang="pt-BR" dirty="0"/>
-              <a:t>asd</a:t>
-            </a:r>
-          </a:p>
-        </p:txBody>
-      </p:sp>
-    </p:spTree>
-    <p:extLst>
-      <p:ext uri="{BB962C8B-B14F-4D97-AF65-F5344CB8AC3E}">
-        <p14:creationId xmlns:p14="http://schemas.microsoft.com/office/powerpoint/2010/main" val="3401786857"/>
-      </p:ext>
-    </p:extLst>
-  </p:cSld>
-  <p:clrMapOvr>
-    <a:masterClrMapping/>
-  </p:clrMapOvr>
-  <mc:AlternateContent xmlns:mc="http://schemas.openxmlformats.org/markup-compatibility/2006" xmlns:p14="http://schemas.microsoft.com/office/powerpoint/2010/main">
-    <mc:Choice Requires="p14">
-      <p:transition spd="med" p14:dur="700">
-        <p:fade/>
-      </p:transition>
-    </mc:Choice>
-    <mc:Fallback xmlns="">
-      <p:transition spd="med">
-        <p:fade/>
-      </p:transition>
-    </mc:Fallback>
-  </mc:AlternateContent>
-</p:sld>
-</file>
-
-<file path=ppt/slides/slide12.xml><?xml version="1.0" encoding="utf-8"?>
-<p:sld xmlns:a="http://schemas.openxmlformats.org/drawingml/2006/main" xmlns:r="http://schemas.openxmlformats.org/officeDocument/2006/relationships" xmlns:p="http://schemas.openxmlformats.org/presentationml/2006/main">
-  <p:cSld>
-    <p:spTree>
-      <p:nvGrpSpPr>
-        <p:cNvPr id="1" name=""/>
-        <p:cNvGrpSpPr/>
-        <p:nvPr/>
-      </p:nvGrpSpPr>
-      <p:grpSpPr>
-        <a:xfrm>
-          <a:off x="0" y="0"/>
-          <a:ext cx="0" cy="0"/>
-          <a:chOff x="0" y="0"/>
-          <a:chExt cx="0" cy="0"/>
-        </a:xfrm>
-      </p:grpSpPr>
-    </p:spTree>
-    <p:extLst>
-      <p:ext uri="{BB962C8B-B14F-4D97-AF65-F5344CB8AC3E}">
-        <p14:creationId xmlns:p14="http://schemas.microsoft.com/office/powerpoint/2010/main" val="4022862849"/>
-      </p:ext>
-    </p:extLst>
-  </p:cSld>
-  <p:clrMapOvr>
-    <a:masterClrMapping/>
-  </p:clrMapOvr>
-  <mc:AlternateContent xmlns:mc="http://schemas.openxmlformats.org/markup-compatibility/2006" xmlns:p14="http://schemas.microsoft.com/office/powerpoint/2010/main">
-    <mc:Choice Requires="p14">
-      <p:transition spd="med" p14:dur="700">
-        <p:fade/>
-      </p:transition>
-    </mc:Choice>
-    <mc:Fallback xmlns="">
-      <p:transition spd="med">
-        <p:fade/>
-      </p:transition>
-    </mc:Fallback>
-  </mc:AlternateContent>
-</p:sld>
-</file>
-
-<file path=ppt/slides/slide13.xml><?xml version="1.0" encoding="utf-8"?>
-<p:sld xmlns:a="http://schemas.openxmlformats.org/drawingml/2006/main" xmlns:r="http://schemas.openxmlformats.org/officeDocument/2006/relationships" xmlns:p="http://schemas.openxmlformats.org/presentationml/2006/main">
-  <p:cSld>
-    <p:spTree>
-      <p:nvGrpSpPr>
-        <p:cNvPr id="1" name=""/>
-        <p:cNvGrpSpPr/>
-        <p:nvPr/>
-      </p:nvGrpSpPr>
-      <p:grpSpPr>
-        <a:xfrm>
-          <a:off x="0" y="0"/>
-          <a:ext cx="0" cy="0"/>
-          <a:chOff x="0" y="0"/>
-          <a:chExt cx="0" cy="0"/>
-        </a:xfrm>
-      </p:grpSpPr>
-      <p:sp>
-        <p:nvSpPr>
-          <p:cNvPr id="2" name="Title 1"/>
-          <p:cNvSpPr>
-            <a:spLocks noGrp="1"/>
-          </p:cNvSpPr>
-          <p:nvPr>
-            <p:ph type="title"/>
-          </p:nvPr>
-        </p:nvSpPr>
-        <p:spPr/>
-        <p:txBody>
-          <a:bodyPr/>
-          <a:lstStyle/>
-          <a:p>
-            <a:endParaRPr lang="en-US"/>
-          </a:p>
-        </p:txBody>
-      </p:sp>
-      <p:sp>
-        <p:nvSpPr>
-          <p:cNvPr id="3" name="Content Placeholder 2"/>
-          <p:cNvSpPr>
-            <a:spLocks noGrp="1"/>
-          </p:cNvSpPr>
-          <p:nvPr>
-            <p:ph idx="1"/>
-          </p:nvPr>
-        </p:nvSpPr>
-        <p:spPr/>
-        <p:txBody>
-          <a:bodyPr/>
-          <a:lstStyle/>
-          <a:p>
-            <a:endParaRPr lang="en-US"/>
-          </a:p>
-        </p:txBody>
-      </p:sp>
-      <p:sp>
-        <p:nvSpPr>
-          <p:cNvPr id="4" name="Text Placeholder 3"/>
-          <p:cNvSpPr>
-            <a:spLocks noGrp="1"/>
-          </p:cNvSpPr>
-          <p:nvPr>
-            <p:ph type="body" sz="half" idx="2"/>
-          </p:nvPr>
-        </p:nvSpPr>
-        <p:spPr/>
-        <p:txBody>
-          <a:bodyPr/>
-          <a:lstStyle/>
-          <a:p>
-            <a:endParaRPr lang="en-US"/>
-          </a:p>
-        </p:txBody>
-      </p:sp>
-    </p:spTree>
-    <p:extLst>
-      <p:ext uri="{BB962C8B-B14F-4D97-AF65-F5344CB8AC3E}">
-        <p14:creationId xmlns:p14="http://schemas.microsoft.com/office/powerpoint/2010/main" val="3614150638"/>
-      </p:ext>
-    </p:extLst>
-  </p:cSld>
-  <p:clrMapOvr>
-    <a:masterClrMapping/>
-  </p:clrMapOvr>
-  <mc:AlternateContent xmlns:mc="http://schemas.openxmlformats.org/markup-compatibility/2006" xmlns:p14="http://schemas.microsoft.com/office/powerpoint/2010/main">
-    <mc:Choice Requires="p14">
-      <p:transition spd="med" p14:dur="700">
-        <p:fade/>
-      </p:transition>
-    </mc:Choice>
-    <mc:Fallback xmlns="">
-      <p:transition spd="med">
-        <p:fade/>
-      </p:transition>
-    </mc:Fallback>
-  </mc:AlternateContent>
-</p:sld>
-</file>
-
-<file path=ppt/slides/slide14.xml><?xml version="1.0" encoding="utf-8"?>
-<p:sld xmlns:a="http://schemas.openxmlformats.org/drawingml/2006/main" xmlns:r="http://schemas.openxmlformats.org/officeDocument/2006/relationships" xmlns:p="http://schemas.openxmlformats.org/presentationml/2006/main">
-  <p:cSld>
-    <p:spTree>
-      <p:nvGrpSpPr>
-        <p:cNvPr id="1" name=""/>
-        <p:cNvGrpSpPr/>
-        <p:nvPr/>
-      </p:nvGrpSpPr>
-      <p:grpSpPr>
-        <a:xfrm>
-          <a:off x="0" y="0"/>
-          <a:ext cx="0" cy="0"/>
-          <a:chOff x="0" y="0"/>
-          <a:chExt cx="0" cy="0"/>
-        </a:xfrm>
-      </p:grpSpPr>
-      <p:sp>
-        <p:nvSpPr>
-          <p:cNvPr id="2" name="Title 1"/>
-          <p:cNvSpPr>
-            <a:spLocks noGrp="1"/>
-          </p:cNvSpPr>
-          <p:nvPr>
-            <p:ph type="title"/>
-          </p:nvPr>
-        </p:nvSpPr>
-        <p:spPr/>
-        <p:txBody>
-          <a:bodyPr/>
-          <a:lstStyle/>
-          <a:p>
-            <a:endParaRPr lang="en-US" dirty="0"/>
-          </a:p>
-        </p:txBody>
-      </p:sp>
-      <p:sp>
-        <p:nvSpPr>
-          <p:cNvPr id="4" name="Text Placeholder 3"/>
-          <p:cNvSpPr>
-            <a:spLocks noGrp="1"/>
-          </p:cNvSpPr>
-          <p:nvPr>
-            <p:ph type="body" sz="half" idx="2"/>
-          </p:nvPr>
-        </p:nvSpPr>
-        <p:spPr/>
-        <p:txBody>
-          <a:bodyPr/>
-          <a:lstStyle/>
-          <a:p>
-            <a:endParaRPr lang="en-US" dirty="0"/>
-          </a:p>
-        </p:txBody>
-      </p:sp>
-      <p:sp>
-        <p:nvSpPr>
-          <p:cNvPr id="6" name="Picture Placeholder 5"/>
-          <p:cNvSpPr>
-            <a:spLocks noGrp="1"/>
-          </p:cNvSpPr>
-          <p:nvPr>
-            <p:ph type="pic" idx="1"/>
-          </p:nvPr>
-        </p:nvSpPr>
-        <p:spPr bwMode="white"/>
-      </p:sp>
-    </p:spTree>
-    <p:extLst>
-      <p:ext uri="{BB962C8B-B14F-4D97-AF65-F5344CB8AC3E}">
-        <p14:creationId xmlns:p14="http://schemas.microsoft.com/office/powerpoint/2010/main" val="3941285470"/>
-      </p:ext>
-    </p:extLst>
-  </p:cSld>
-  <p:clrMapOvr>
-    <a:masterClrMapping/>
-  </p:clrMapOvr>
-  <mc:AlternateContent xmlns:mc="http://schemas.openxmlformats.org/markup-compatibility/2006" xmlns:p14="http://schemas.microsoft.com/office/powerpoint/2010/main">
-    <mc:Choice Requires="p14">
-      <p:transition spd="med" p14:dur="700">
-        <p:fade/>
-      </p:transition>
-    </mc:Choice>
-    <mc:Fallback xmlns="">
-      <p:transition spd="med">
-        <p:fade/>
-      </p:transition>
-    </mc:Fallback>
-  </mc:AlternateContent>
-</p:sld>
-</file>
-
 <file path=ppt/slides/slide2.xml><?xml version="1.0" encoding="utf-8"?>
 <p:sld xmlns:a="http://schemas.openxmlformats.org/drawingml/2006/main" xmlns:r="http://schemas.openxmlformats.org/officeDocument/2006/relationships" xmlns:p="http://schemas.openxmlformats.org/presentationml/2006/main">
   <p:cSld>
@@ -12810,21 +12391,21 @@
                 <a:gridCol w="1604963">
                   <a:extLst>
                     <a:ext uri="{9D8B030D-6E8A-4147-A177-3AD203B41FA5}">
-                      <a16:colId xmlns:a16="http://schemas.microsoft.com/office/drawing/2014/main" val="20000"/>
+                      <a16:colId xmlns:a16="http://schemas.microsoft.com/office/drawing/2014/main" xmlns="" val="20000"/>
                     </a:ext>
                   </a:extLst>
                 </a:gridCol>
                 <a:gridCol w="1604963">
                   <a:extLst>
                     <a:ext uri="{9D8B030D-6E8A-4147-A177-3AD203B41FA5}">
-                      <a16:colId xmlns:a16="http://schemas.microsoft.com/office/drawing/2014/main" val="20001"/>
+                      <a16:colId xmlns:a16="http://schemas.microsoft.com/office/drawing/2014/main" xmlns="" val="20001"/>
                     </a:ext>
                   </a:extLst>
                 </a:gridCol>
                 <a:gridCol w="1604963">
                   <a:extLst>
                     <a:ext uri="{9D8B030D-6E8A-4147-A177-3AD203B41FA5}">
-                      <a16:colId xmlns:a16="http://schemas.microsoft.com/office/drawing/2014/main" val="20002"/>
+                      <a16:colId xmlns:a16="http://schemas.microsoft.com/office/drawing/2014/main" xmlns="" val="20002"/>
                     </a:ext>
                   </a:extLst>
                 </a:gridCol>
@@ -12870,7 +12451,7 @@
                 </a:tc>
                 <a:extLst>
                   <a:ext uri="{0D108BD9-81ED-4DB2-BD59-A6C34878D82A}">
-                    <a16:rowId xmlns:a16="http://schemas.microsoft.com/office/drawing/2014/main" val="10000"/>
+                    <a16:rowId xmlns:a16="http://schemas.microsoft.com/office/drawing/2014/main" xmlns="" val="10000"/>
                   </a:ext>
                 </a:extLst>
               </a:tr>
@@ -12918,7 +12499,7 @@
                 </a:tc>
                 <a:extLst>
                   <a:ext uri="{0D108BD9-81ED-4DB2-BD59-A6C34878D82A}">
-                    <a16:rowId xmlns:a16="http://schemas.microsoft.com/office/drawing/2014/main" val="10001"/>
+                    <a16:rowId xmlns:a16="http://schemas.microsoft.com/office/drawing/2014/main" xmlns="" val="10001"/>
                   </a:ext>
                 </a:extLst>
               </a:tr>
@@ -12966,7 +12547,7 @@
                 </a:tc>
                 <a:extLst>
                   <a:ext uri="{0D108BD9-81ED-4DB2-BD59-A6C34878D82A}">
-                    <a16:rowId xmlns:a16="http://schemas.microsoft.com/office/drawing/2014/main" val="10002"/>
+                    <a16:rowId xmlns:a16="http://schemas.microsoft.com/office/drawing/2014/main" xmlns="" val="10002"/>
                   </a:ext>
                 </a:extLst>
               </a:tr>
@@ -13014,7 +12595,7 @@
                 </a:tc>
                 <a:extLst>
                   <a:ext uri="{0D108BD9-81ED-4DB2-BD59-A6C34878D82A}">
-                    <a16:rowId xmlns:a16="http://schemas.microsoft.com/office/drawing/2014/main" val="10003"/>
+                    <a16:rowId xmlns:a16="http://schemas.microsoft.com/office/drawing/2014/main" xmlns="" val="10003"/>
                   </a:ext>
                 </a:extLst>
               </a:tr>
@@ -13183,90 +12764,6 @@
     <p:extLst>
       <p:ext uri="{BB962C8B-B14F-4D97-AF65-F5344CB8AC3E}">
         <p14:creationId xmlns:p14="http://schemas.microsoft.com/office/powerpoint/2010/main" val="513726968"/>
-      </p:ext>
-    </p:extLst>
-  </p:cSld>
-  <p:clrMapOvr>
-    <a:masterClrMapping/>
-  </p:clrMapOvr>
-  <mc:AlternateContent xmlns:mc="http://schemas.openxmlformats.org/markup-compatibility/2006" xmlns:p14="http://schemas.microsoft.com/office/powerpoint/2010/main">
-    <mc:Choice Requires="p14">
-      <p:transition spd="med" p14:dur="700">
-        <p:fade/>
-      </p:transition>
-    </mc:Choice>
-    <mc:Fallback xmlns="">
-      <p:transition spd="med">
-        <p:fade/>
-      </p:transition>
-    </mc:Fallback>
-  </mc:AlternateContent>
-</p:sld>
-</file>
-
-<file path=ppt/slides/slide9.xml><?xml version="1.0" encoding="utf-8"?>
-<p:sld xmlns:a="http://schemas.openxmlformats.org/drawingml/2006/main" xmlns:r="http://schemas.openxmlformats.org/officeDocument/2006/relationships" xmlns:p="http://schemas.openxmlformats.org/presentationml/2006/main">
-  <p:cSld>
-    <p:spTree>
-      <p:nvGrpSpPr>
-        <p:cNvPr id="1" name=""/>
-        <p:cNvGrpSpPr/>
-        <p:nvPr/>
-      </p:nvGrpSpPr>
-      <p:grpSpPr>
-        <a:xfrm>
-          <a:off x="0" y="0"/>
-          <a:ext cx="0" cy="0"/>
-          <a:chOff x="0" y="0"/>
-          <a:chExt cx="0" cy="0"/>
-        </a:xfrm>
-      </p:grpSpPr>
-      <p:sp>
-        <p:nvSpPr>
-          <p:cNvPr id="2" name="Title 1"/>
-          <p:cNvSpPr>
-            <a:spLocks noGrp="1"/>
-          </p:cNvSpPr>
-          <p:nvPr>
-            <p:ph type="title"/>
-          </p:nvPr>
-        </p:nvSpPr>
-        <p:spPr/>
-        <p:txBody>
-          <a:bodyPr>
-            <a:normAutofit/>
-          </a:bodyPr>
-          <a:lstStyle/>
-          <a:p>
-            <a:endParaRPr lang="en-US" dirty="0"/>
-          </a:p>
-        </p:txBody>
-      </p:sp>
-      <p:sp>
-        <p:nvSpPr>
-          <p:cNvPr id="3" name="Text Placeholder 2"/>
-          <p:cNvSpPr>
-            <a:spLocks noGrp="1"/>
-          </p:cNvSpPr>
-          <p:nvPr>
-            <p:ph type="body" idx="1"/>
-          </p:nvPr>
-        </p:nvSpPr>
-        <p:spPr/>
-        <p:txBody>
-          <a:bodyPr>
-            <a:normAutofit/>
-          </a:bodyPr>
-          <a:lstStyle/>
-          <a:p>
-            <a:endParaRPr lang="en-US" dirty="0"/>
-          </a:p>
-        </p:txBody>
-      </p:sp>
-    </p:spTree>
-    <p:extLst>
-      <p:ext uri="{BB962C8B-B14F-4D97-AF65-F5344CB8AC3E}">
-        <p14:creationId xmlns:p14="http://schemas.microsoft.com/office/powerpoint/2010/main" val="352090314"/>
       </p:ext>
     </p:extLst>
   </p:cSld>
